--- a/Power BI Projects/Sales Analysis/sales_analysis_powerBI.pptx
+++ b/Power BI Projects/Sales Analysis/sales_analysis_powerBI.pptx
@@ -147,16 +147,32 @@
 </p188:authorLst>
 </file>
 
-<file path=ppt/revisionInfo.xml><?xml version="1.0" encoding="utf-8"?>
-<p1510:revInfo xmlns:a="http://schemas.openxmlformats.org/drawingml/2006/main" xmlns:r="http://schemas.openxmlformats.org/officeDocument/2006/relationships" xmlns:p1510="http://schemas.microsoft.com/office/powerpoint/2015/10/main">
-  <p1510:revLst>
-    <p1510:client id="{E75AEE4F-732D-48B7-8F1A-FDCA397706BF}" v="10" dt="2024-09-04T08:44:58.417"/>
-  </p1510:revLst>
-</p1510:revInfo>
-</file>
-
 <file path=ppt/changesInfos/changesInfo1.xml><?xml version="1.0" encoding="utf-8"?>
 <pc:chgInfo xmlns:a="http://schemas.openxmlformats.org/drawingml/2006/main" xmlns:r="http://schemas.openxmlformats.org/officeDocument/2006/relationships" xmlns:ac="http://schemas.microsoft.com/office/drawing/2013/main/command" xmlns:pc="http://schemas.microsoft.com/office/powerpoint/2013/main/command">
+  <pc:docChgLst>
+    <pc:chgData name="Gobburu Chandraiah" userId="b4afd52c8b2f7633" providerId="LiveId" clId="{F478890F-0CA1-401B-9CE1-26651F378B6C}"/>
+    <pc:docChg chg="modSld">
+      <pc:chgData name="Gobburu Chandraiah" userId="b4afd52c8b2f7633" providerId="LiveId" clId="{F478890F-0CA1-401B-9CE1-26651F378B6C}" dt="2024-09-16T12:53:18.979" v="0" actId="1076"/>
+      <pc:docMkLst>
+        <pc:docMk/>
+      </pc:docMkLst>
+      <pc:sldChg chg="modSp mod">
+        <pc:chgData name="Gobburu Chandraiah" userId="b4afd52c8b2f7633" providerId="LiveId" clId="{F478890F-0CA1-401B-9CE1-26651F378B6C}" dt="2024-09-16T12:53:18.979" v="0" actId="1076"/>
+        <pc:sldMkLst>
+          <pc:docMk/>
+          <pc:sldMk cId="719664809" sldId="346"/>
+        </pc:sldMkLst>
+        <pc:picChg chg="mod">
+          <ac:chgData name="Gobburu Chandraiah" userId="b4afd52c8b2f7633" providerId="LiveId" clId="{F478890F-0CA1-401B-9CE1-26651F378B6C}" dt="2024-09-16T12:53:18.979" v="0" actId="1076"/>
+          <ac:picMkLst>
+            <pc:docMk/>
+            <pc:sldMk cId="719664809" sldId="346"/>
+            <ac:picMk id="3" creationId="{1FE70C4F-90D3-C928-C03C-6D0AA143C16F}"/>
+          </ac:picMkLst>
+        </pc:picChg>
+      </pc:sldChg>
+    </pc:docChg>
+  </pc:docChgLst>
   <pc:docChgLst>
     <pc:chgData name="Gobburu Chandraiah" userId="b4afd52c8b2f7633" providerId="LiveId" clId="{E75AEE4F-732D-48B7-8F1A-FDCA397706BF}"/>
     <pc:docChg chg="custSel modSld">
@@ -427,7 +443,7 @@
           <a:p>
             <a:fld id="{A3888634-FBA9-41D6-8B35-EE3A7D816B7C}" type="datetimeFigureOut">
               <a:rPr lang="en-US" smtClean="0"/>
-              <a:t>9/12/2024</a:t>
+              <a:t>9/16/2024</a:t>
             </a:fld>
             <a:endParaRPr lang="en-US" dirty="0"/>
           </a:p>
@@ -604,7 +620,7 @@
           <a:p>
             <a:fld id="{5EA28068-AFBD-4979-B752-9EB6F90B1386}" type="datetimeFigureOut">
               <a:rPr lang="en-US" smtClean="0"/>
-              <a:t>9/12/2024</a:t>
+              <a:t>9/16/2024</a:t>
             </a:fld>
             <a:endParaRPr lang="en-US" dirty="0"/>
           </a:p>
@@ -11498,7 +11514,7 @@
         </p:blipFill>
         <p:spPr>
           <a:xfrm>
-            <a:off x="203200" y="288540"/>
+            <a:off x="203201" y="288540"/>
             <a:ext cx="11439315" cy="6280920"/>
           </a:xfrm>
           <a:prstGeom prst="rect">
@@ -12698,6 +12714,15 @@
 </file>
 
 <file path=customXml/item1.xml><?xml version="1.0" encoding="utf-8"?>
+<?mso-contentType ?>
+<FormTemplates xmlns="http://schemas.microsoft.com/sharepoint/v3/contenttype/forms">
+  <Display>DocumentLibraryForm</Display>
+  <Edit>DocumentLibraryForm</Edit>
+  <New>DocumentLibraryForm</New>
+</FormTemplates>
+</file>
+
+<file path=customXml/item2.xml><?xml version="1.0" encoding="utf-8"?>
 <ct:contentTypeSchema xmlns:ct="http://schemas.microsoft.com/office/2006/metadata/contentType" xmlns:ma="http://schemas.microsoft.com/office/2006/metadata/properties/metaAttributes" ct:_="" ma:_="" ma:contentTypeName="Document" ma:contentTypeID="0x01010079F111ED35F8CC479449609E8A0923A6" ma:contentTypeVersion="28" ma:contentTypeDescription="Create a new document." ma:contentTypeScope="" ma:versionID="60f5a4f2d2b0abadcf532d48ebf9cb71">
   <xsd:schema xmlns:xsd="http://www.w3.org/2001/XMLSchema" xmlns:xs="http://www.w3.org/2001/XMLSchema" xmlns:p="http://schemas.microsoft.com/office/2006/metadata/properties" xmlns:ns1="http://schemas.microsoft.com/sharepoint/v3" xmlns:ns2="71af3243-3dd4-4a8d-8c0d-dd76da1f02a5" xmlns:ns3="16c05727-aa75-4e4a-9b5f-8a80a1165891" xmlns:ns4="230e9df3-be65-4c73-a93b-d1236ebd677e" targetNamespace="http://schemas.microsoft.com/office/2006/metadata/properties" ma:root="true" ma:fieldsID="7dd78129e6a1811f84807ad11c651531" ns1:_="" ns2:_="" ns3:_="" ns4:_="">
     <xsd:import namespace="http://schemas.microsoft.com/sharepoint/v3"/>
@@ -13009,15 +13034,6 @@
 </ct:contentTypeSchema>
 </file>
 
-<file path=customXml/item2.xml><?xml version="1.0" encoding="utf-8"?>
-<?mso-contentType ?>
-<FormTemplates xmlns="http://schemas.microsoft.com/sharepoint/v3/contenttype/forms">
-  <Display>DocumentLibraryForm</Display>
-  <Edit>DocumentLibraryForm</Edit>
-  <New>DocumentLibraryForm</New>
-</FormTemplates>
-</file>
-
 <file path=customXml/item3.xml><?xml version="1.0" encoding="utf-8"?>
 <p:properties xmlns:p="http://schemas.microsoft.com/office/2006/metadata/properties" xmlns:xsi="http://www.w3.org/2001/XMLSchema-instance" xmlns:pc="http://schemas.microsoft.com/office/infopath/2007/PartnerControls">
   <documentManagement>
@@ -13039,6 +13055,14 @@
 </file>
 
 <file path=customXml/itemProps1.xml><?xml version="1.0" encoding="utf-8"?>
+<ds:datastoreItem xmlns:ds="http://schemas.openxmlformats.org/officeDocument/2006/customXml" ds:itemID="{FABD9919-8F5A-4B99-83E1-E90FE1DCF2E1}">
+  <ds:schemaRefs>
+    <ds:schemaRef ds:uri="http://schemas.microsoft.com/sharepoint/v3/contenttype/forms"/>
+  </ds:schemaRefs>
+</ds:datastoreItem>
+</file>
+
+<file path=customXml/itemProps2.xml><?xml version="1.0" encoding="utf-8"?>
 <ds:datastoreItem xmlns:ds="http://schemas.openxmlformats.org/officeDocument/2006/customXml" ds:itemID="{52D646E0-DCC8-4209-B539-AA58186B682C}">
   <ds:schemaRefs>
     <ds:schemaRef ds:uri="http://schemas.microsoft.com/office/2006/metadata/contentType"/>
@@ -13059,14 +13083,6 @@
 </ds:datastoreItem>
 </file>
 
-<file path=customXml/itemProps2.xml><?xml version="1.0" encoding="utf-8"?>
-<ds:datastoreItem xmlns:ds="http://schemas.openxmlformats.org/officeDocument/2006/customXml" ds:itemID="{FABD9919-8F5A-4B99-83E1-E90FE1DCF2E1}">
-  <ds:schemaRefs>
-    <ds:schemaRef ds:uri="http://schemas.microsoft.com/sharepoint/v3/contenttype/forms"/>
-  </ds:schemaRefs>
-</ds:datastoreItem>
-</file>
-
 <file path=customXml/itemProps3.xml><?xml version="1.0" encoding="utf-8"?>
 <ds:datastoreItem xmlns:ds="http://schemas.openxmlformats.org/officeDocument/2006/customXml" ds:itemID="{80E87F72-70BF-43BC-A0D4-53665DC12672}">
   <ds:schemaRefs>
